--- a/思汗牧場.pptx
+++ b/思汗牧場.pptx
@@ -267,7 +267,7 @@
           <a:p>
             <a:fld id="{5ED63F7B-1D4E-45C5-A0BB-44CF72B1FC2A}" type="datetimeFigureOut">
               <a:rPr lang="en-US" smtClean="0"/>
-              <a:t>12/29/2018</a:t>
+              <a:t>1/1/2019</a:t>
             </a:fld>
             <a:endParaRPr lang="en-US"/>
           </a:p>
@@ -437,7 +437,7 @@
           <a:p>
             <a:fld id="{5ED63F7B-1D4E-45C5-A0BB-44CF72B1FC2A}" type="datetimeFigureOut">
               <a:rPr lang="en-US" smtClean="0"/>
-              <a:t>12/29/2018</a:t>
+              <a:t>1/1/2019</a:t>
             </a:fld>
             <a:endParaRPr lang="en-US"/>
           </a:p>
@@ -617,7 +617,7 @@
           <a:p>
             <a:fld id="{5ED63F7B-1D4E-45C5-A0BB-44CF72B1FC2A}" type="datetimeFigureOut">
               <a:rPr lang="en-US" smtClean="0"/>
-              <a:t>12/29/2018</a:t>
+              <a:t>1/1/2019</a:t>
             </a:fld>
             <a:endParaRPr lang="en-US"/>
           </a:p>
@@ -787,7 +787,7 @@
           <a:p>
             <a:fld id="{5ED63F7B-1D4E-45C5-A0BB-44CF72B1FC2A}" type="datetimeFigureOut">
               <a:rPr lang="en-US" smtClean="0"/>
-              <a:t>12/29/2018</a:t>
+              <a:t>1/1/2019</a:t>
             </a:fld>
             <a:endParaRPr lang="en-US"/>
           </a:p>
@@ -1033,7 +1033,7 @@
           <a:p>
             <a:fld id="{5ED63F7B-1D4E-45C5-A0BB-44CF72B1FC2A}" type="datetimeFigureOut">
               <a:rPr lang="en-US" smtClean="0"/>
-              <a:t>12/29/2018</a:t>
+              <a:t>1/1/2019</a:t>
             </a:fld>
             <a:endParaRPr lang="en-US"/>
           </a:p>
@@ -1265,7 +1265,7 @@
           <a:p>
             <a:fld id="{5ED63F7B-1D4E-45C5-A0BB-44CF72B1FC2A}" type="datetimeFigureOut">
               <a:rPr lang="en-US" smtClean="0"/>
-              <a:t>12/29/2018</a:t>
+              <a:t>1/1/2019</a:t>
             </a:fld>
             <a:endParaRPr lang="en-US"/>
           </a:p>
@@ -1632,7 +1632,7 @@
           <a:p>
             <a:fld id="{5ED63F7B-1D4E-45C5-A0BB-44CF72B1FC2A}" type="datetimeFigureOut">
               <a:rPr lang="en-US" smtClean="0"/>
-              <a:t>12/29/2018</a:t>
+              <a:t>1/1/2019</a:t>
             </a:fld>
             <a:endParaRPr lang="en-US"/>
           </a:p>
@@ -1750,7 +1750,7 @@
           <a:p>
             <a:fld id="{5ED63F7B-1D4E-45C5-A0BB-44CF72B1FC2A}" type="datetimeFigureOut">
               <a:rPr lang="en-US" smtClean="0"/>
-              <a:t>12/29/2018</a:t>
+              <a:t>1/1/2019</a:t>
             </a:fld>
             <a:endParaRPr lang="en-US"/>
           </a:p>
@@ -1845,7 +1845,7 @@
           <a:p>
             <a:fld id="{5ED63F7B-1D4E-45C5-A0BB-44CF72B1FC2A}" type="datetimeFigureOut">
               <a:rPr lang="en-US" smtClean="0"/>
-              <a:t>12/29/2018</a:t>
+              <a:t>1/1/2019</a:t>
             </a:fld>
             <a:endParaRPr lang="en-US"/>
           </a:p>
@@ -2122,7 +2122,7 @@
           <a:p>
             <a:fld id="{5ED63F7B-1D4E-45C5-A0BB-44CF72B1FC2A}" type="datetimeFigureOut">
               <a:rPr lang="en-US" smtClean="0"/>
-              <a:t>12/29/2018</a:t>
+              <a:t>1/1/2019</a:t>
             </a:fld>
             <a:endParaRPr lang="en-US"/>
           </a:p>
@@ -2375,7 +2375,7 @@
           <a:p>
             <a:fld id="{5ED63F7B-1D4E-45C5-A0BB-44CF72B1FC2A}" type="datetimeFigureOut">
               <a:rPr lang="en-US" smtClean="0"/>
-              <a:t>12/29/2018</a:t>
+              <a:t>1/1/2019</a:t>
             </a:fld>
             <a:endParaRPr lang="en-US"/>
           </a:p>
@@ -2588,7 +2588,7 @@
           <a:p>
             <a:fld id="{5ED63F7B-1D4E-45C5-A0BB-44CF72B1FC2A}" type="datetimeFigureOut">
               <a:rPr lang="en-US" smtClean="0"/>
-              <a:t>12/29/2018</a:t>
+              <a:t>1/1/2019</a:t>
             </a:fld>
             <a:endParaRPr lang="en-US"/>
           </a:p>
@@ -3611,14 +3611,14 @@
             <p:ph idx="1"/>
             <p:extLst>
               <p:ext uri="{D42A27DB-BD31-4B8C-83A1-F6EECF244321}">
-                <p14:modId xmlns:p14="http://schemas.microsoft.com/office/powerpoint/2010/main" val="1413654631"/>
+                <p14:modId xmlns:p14="http://schemas.microsoft.com/office/powerpoint/2010/main" val="911362554"/>
               </p:ext>
             </p:extLst>
           </p:nvPr>
         </p:nvGraphicFramePr>
         <p:xfrm>
           <a:off x="838200" y="312843"/>
-          <a:ext cx="10515600" cy="6159295"/>
+          <a:ext cx="10515600" cy="6499937"/>
         </p:xfrm>
         <a:graphic>
           <a:graphicData uri="http://schemas.openxmlformats.org/drawingml/2006/table">
@@ -3858,14 +3858,34 @@
                           <a:latin typeface="微軟正黑體" panose="020B0604030504040204" pitchFamily="34" charset="-120"/>
                           <a:ea typeface="微軟正黑體" panose="020B0604030504040204" pitchFamily="34" charset="-120"/>
                         </a:rPr>
-                        <a:t>前端頁</a:t>
+                        <a:t>前</a:t>
                       </a:r>
                       <a:r>
                         <a:rPr lang="zh-TW" altLang="en-US" sz="2400" dirty="0" smtClean="0">
                           <a:latin typeface="微軟正黑體" panose="020B0604030504040204" pitchFamily="34" charset="-120"/>
                           <a:ea typeface="微軟正黑體" panose="020B0604030504040204" pitchFamily="34" charset="-120"/>
                         </a:rPr>
-                        <a:t>面</a:t>
+                        <a:t>端農場資訊頁面</a:t>
+                      </a:r>
+                      <a:r>
+                        <a:rPr lang="en-US" altLang="zh-TW" sz="2400" dirty="0" smtClean="0">
+                          <a:latin typeface="微軟正黑體" panose="020B0604030504040204" pitchFamily="34" charset="-120"/>
+                          <a:ea typeface="微軟正黑體" panose="020B0604030504040204" pitchFamily="34" charset="-120"/>
+                        </a:rPr>
+                        <a:t/>
+                      </a:r>
+                      <a:br>
+                        <a:rPr lang="en-US" altLang="zh-TW" sz="2400" dirty="0" smtClean="0">
+                          <a:latin typeface="微軟正黑體" panose="020B0604030504040204" pitchFamily="34" charset="-120"/>
+                          <a:ea typeface="微軟正黑體" panose="020B0604030504040204" pitchFamily="34" charset="-120"/>
+                        </a:rPr>
+                      </a:br>
+                      <a:r>
+                        <a:rPr lang="zh-TW" altLang="en-US" sz="2400" dirty="0" smtClean="0">
+                          <a:latin typeface="微軟正黑體" panose="020B0604030504040204" pitchFamily="34" charset="-120"/>
+                          <a:ea typeface="微軟正黑體" panose="020B0604030504040204" pitchFamily="34" charset="-120"/>
+                        </a:rPr>
+                        <a:t>前端註冊、商品管理頁面</a:t>
                       </a:r>
                       <a:endParaRPr lang="en-US" altLang="zh-TW" sz="2400" dirty="0" smtClean="0">
                         <a:latin typeface="微軟正黑體" panose="020B0604030504040204" pitchFamily="34" charset="-120"/>
